--- a/ElasticSearchPresentation.pptx
+++ b/ElasticSearchPresentation.pptx
@@ -28,8 +28,8 @@
     <p:sldId id="281" r:id="rId16"/>
     <p:sldId id="290" r:id="rId17"/>
     <p:sldId id="277" r:id="rId18"/>
-    <p:sldId id="278" r:id="rId19"/>
-    <p:sldId id="289" r:id="rId20"/>
+    <p:sldId id="289" r:id="rId19"/>
+    <p:sldId id="292" r:id="rId20"/>
     <p:sldId id="274" r:id="rId21"/>
     <p:sldId id="264" r:id="rId22"/>
   </p:sldIdLst>
@@ -5406,7 +5406,7 @@
           <a:p>
             <a:fld id="{AC0E6037-70BE-490A-8C0B-D250F38CB4A9}" type="datetimeFigureOut">
               <a:rPr lang="nl-NL" smtClean="0"/>
-              <a:t>15-11-2022</a:t>
+              <a:t>16-11-2022</a:t>
             </a:fld>
             <a:endParaRPr lang="nl-NL"/>
           </a:p>
@@ -5584,7 +5584,7 @@
           <a:p>
             <a:fld id="{03B91304-0E1C-465C-BE0D-6059215CC915}" type="datetimeFigureOut">
               <a:rPr lang="nl-NL" smtClean="0"/>
-              <a:t>15-11-2022</a:t>
+              <a:t>16-11-2022</a:t>
             </a:fld>
             <a:endParaRPr lang="nl-NL"/>
           </a:p>
@@ -5999,7 +5999,7 @@
           <a:p>
             <a:fld id="{5482E04E-2D7C-44EC-87CD-2876FA576791}" type="datetime1">
               <a:rPr lang="nl-NL" smtClean="0"/>
-              <a:t>15-11-2022</a:t>
+              <a:t>16-11-2022</a:t>
             </a:fld>
             <a:endParaRPr lang="nl-NL"/>
           </a:p>
@@ -6197,7 +6197,7 @@
           <a:p>
             <a:fld id="{A2705C57-FCC0-4420-91AD-C91D46EF1CC2}" type="datetime1">
               <a:rPr lang="nl-NL" smtClean="0"/>
-              <a:t>15-11-2022</a:t>
+              <a:t>16-11-2022</a:t>
             </a:fld>
             <a:endParaRPr lang="nl-NL"/>
           </a:p>
@@ -6405,7 +6405,7 @@
           <a:p>
             <a:fld id="{85C8237E-11AD-4CE0-8E15-84C9B8B91718}" type="datetime1">
               <a:rPr lang="nl-NL" smtClean="0"/>
-              <a:t>15-11-2022</a:t>
+              <a:t>16-11-2022</a:t>
             </a:fld>
             <a:endParaRPr lang="nl-NL"/>
           </a:p>
@@ -6603,7 +6603,7 @@
           <a:p>
             <a:fld id="{F63DC8D9-BA07-4317-9EF2-96FDBCD3E0B9}" type="datetime1">
               <a:rPr lang="nl-NL" smtClean="0"/>
-              <a:t>15-11-2022</a:t>
+              <a:t>16-11-2022</a:t>
             </a:fld>
             <a:endParaRPr lang="nl-NL"/>
           </a:p>
@@ -6878,7 +6878,7 @@
           <a:p>
             <a:fld id="{29971FAC-37F5-43BD-BA9A-C7A404A03600}" type="datetime1">
               <a:rPr lang="nl-NL" smtClean="0"/>
-              <a:t>15-11-2022</a:t>
+              <a:t>16-11-2022</a:t>
             </a:fld>
             <a:endParaRPr lang="nl-NL"/>
           </a:p>
@@ -7143,7 +7143,7 @@
           <a:p>
             <a:fld id="{03C16302-F478-49DD-A5AE-960E2462A6B9}" type="datetime1">
               <a:rPr lang="nl-NL" smtClean="0"/>
-              <a:t>15-11-2022</a:t>
+              <a:t>16-11-2022</a:t>
             </a:fld>
             <a:endParaRPr lang="nl-NL"/>
           </a:p>
@@ -7555,7 +7555,7 @@
           <a:p>
             <a:fld id="{5E8D5BF4-04DE-464F-8E8C-4F6C246016FD}" type="datetime1">
               <a:rPr lang="nl-NL" smtClean="0"/>
-              <a:t>15-11-2022</a:t>
+              <a:t>16-11-2022</a:t>
             </a:fld>
             <a:endParaRPr lang="nl-NL"/>
           </a:p>
@@ -7696,7 +7696,7 @@
           <a:p>
             <a:fld id="{2FA7B3BB-EF50-4353-A466-AEF975F93FD8}" type="datetime1">
               <a:rPr lang="nl-NL" smtClean="0"/>
-              <a:t>15-11-2022</a:t>
+              <a:t>16-11-2022</a:t>
             </a:fld>
             <a:endParaRPr lang="nl-NL"/>
           </a:p>
@@ -7809,7 +7809,7 @@
           <a:p>
             <a:fld id="{7792B860-6341-48E0-BDB2-B22268715D6F}" type="datetime1">
               <a:rPr lang="nl-NL" smtClean="0"/>
-              <a:t>15-11-2022</a:t>
+              <a:t>16-11-2022</a:t>
             </a:fld>
             <a:endParaRPr lang="nl-NL"/>
           </a:p>
@@ -8120,7 +8120,7 @@
           <a:p>
             <a:fld id="{0B497737-20C7-466F-8DBD-20CFC28B5C25}" type="datetime1">
               <a:rPr lang="nl-NL" smtClean="0"/>
-              <a:t>15-11-2022</a:t>
+              <a:t>16-11-2022</a:t>
             </a:fld>
             <a:endParaRPr lang="nl-NL"/>
           </a:p>
@@ -8408,7 +8408,7 @@
           <a:p>
             <a:fld id="{CBAAC3FA-12B2-4BFB-9446-444596A5EBEF}" type="datetime1">
               <a:rPr lang="nl-NL" smtClean="0"/>
-              <a:t>15-11-2022</a:t>
+              <a:t>16-11-2022</a:t>
             </a:fld>
             <a:endParaRPr lang="nl-NL"/>
           </a:p>
@@ -8649,7 +8649,7 @@
           <a:p>
             <a:fld id="{3405576C-CA3D-49F5-A1B6-B8428694D7D6}" type="datetime1">
               <a:rPr lang="nl-NL" smtClean="0"/>
-              <a:t>15-11-2022</a:t>
+              <a:t>16-11-2022</a:t>
             </a:fld>
             <a:endParaRPr lang="nl-NL"/>
           </a:p>
@@ -9919,7 +9919,7 @@
           <a:p>
             <a:fld id="{AB41BE73-0419-4FE1-BEEC-3FC74B75BEC8}" type="datetime1">
               <a:rPr lang="nl-NL" smtClean="0"/>
-              <a:t>15-11-2022</a:t>
+              <a:t>16-11-2022</a:t>
             </a:fld>
             <a:endParaRPr lang="nl-NL"/>
           </a:p>
@@ -10475,7 +10475,7 @@
           <a:p>
             <a:fld id="{057E53B1-B142-42BF-B587-2A7C6A29782E}" type="datetime1">
               <a:rPr lang="nl-NL" smtClean="0"/>
-              <a:t>15-11-2022</a:t>
+              <a:t>16-11-2022</a:t>
             </a:fld>
             <a:endParaRPr lang="nl-NL"/>
           </a:p>
@@ -10984,7 +10984,7 @@
           <a:p>
             <a:fld id="{057E53B1-B142-42BF-B587-2A7C6A29782E}" type="datetime1">
               <a:rPr lang="nl-NL" smtClean="0"/>
-              <a:t>15-11-2022</a:t>
+              <a:t>16-11-2022</a:t>
             </a:fld>
             <a:endParaRPr lang="nl-NL"/>
           </a:p>
@@ -11551,7 +11551,7 @@
           <a:p>
             <a:fld id="{057E53B1-B142-42BF-B587-2A7C6A29782E}" type="datetime1">
               <a:rPr lang="nl-NL" smtClean="0"/>
-              <a:t>15-11-2022</a:t>
+              <a:t>16-11-2022</a:t>
             </a:fld>
             <a:endParaRPr lang="nl-NL"/>
           </a:p>
@@ -12219,7 +12219,7 @@
           <a:p>
             <a:fld id="{057E53B1-B142-42BF-B587-2A7C6A29782E}" type="datetime1">
               <a:rPr lang="nl-NL" smtClean="0"/>
-              <a:t>15-11-2022</a:t>
+              <a:t>16-11-2022</a:t>
             </a:fld>
             <a:endParaRPr lang="nl-NL"/>
           </a:p>
@@ -12711,7 +12711,7 @@
           <a:p>
             <a:fld id="{057E53B1-B142-42BF-B587-2A7C6A29782E}" type="datetime1">
               <a:rPr lang="nl-NL" smtClean="0"/>
-              <a:t>15-11-2022</a:t>
+              <a:t>16-11-2022</a:t>
             </a:fld>
             <a:endParaRPr lang="nl-NL"/>
           </a:p>
@@ -13380,7 +13380,7 @@
           <a:p>
             <a:fld id="{057E53B1-B142-42BF-B587-2A7C6A29782E}" type="datetime1">
               <a:rPr lang="nl-NL" smtClean="0"/>
-              <a:t>15-11-2022</a:t>
+              <a:t>16-11-2022</a:t>
             </a:fld>
             <a:endParaRPr lang="nl-NL"/>
           </a:p>
@@ -13765,8 +13765,8 @@
               <a:defRPr/>
             </a:pPr>
             <a:r>
-              <a:rPr lang="en-GB" sz="2000"/>
-              <a:t>Data visualization</a:t>
+              <a:rPr lang="en-GB" sz="2000" dirty="0"/>
+              <a:t>Top layer of Elastic Stack</a:t>
             </a:r>
           </a:p>
           <a:p>
@@ -13788,9 +13788,118 @@
               <a:defRPr/>
             </a:pPr>
             <a:r>
-              <a:rPr lang="en-GB" sz="2000"/>
-              <a:t>Top layer of Elastic Stack</a:t>
+              <a:rPr lang="en-GB" sz="2000" dirty="0"/>
+              <a:t>Business Intelligence tool</a:t>
             </a:r>
+          </a:p>
+          <a:p>
+            <a:pPr marL="228600" marR="0" lvl="0" indent="-228600" algn="l" defTabSz="914400" rtl="0" eaLnBrk="1" fontAlgn="auto" latinLnBrk="0" hangingPunct="1">
+              <a:lnSpc>
+                <a:spcPct val="90000"/>
+              </a:lnSpc>
+              <a:spcBef>
+                <a:spcPts val="1000"/>
+              </a:spcBef>
+              <a:spcAft>
+                <a:spcPts val="0"/>
+              </a:spcAft>
+              <a:buClrTx/>
+              <a:buSzTx/>
+              <a:buFont typeface="Arial" panose="020B0604020202020204" pitchFamily="34" charset="0"/>
+              <a:buChar char="•"/>
+              <a:tabLst/>
+              <a:defRPr/>
+            </a:pPr>
+            <a:r>
+              <a:rPr lang="en-GB" sz="2000" dirty="0"/>
+              <a:t>Data visualization</a:t>
+            </a:r>
+          </a:p>
+          <a:p>
+            <a:pPr marL="228600" marR="0" lvl="0" indent="-228600" algn="l" defTabSz="914400" rtl="0" eaLnBrk="1" fontAlgn="auto" latinLnBrk="0" hangingPunct="1">
+              <a:lnSpc>
+                <a:spcPct val="90000"/>
+              </a:lnSpc>
+              <a:spcBef>
+                <a:spcPts val="1000"/>
+              </a:spcBef>
+              <a:spcAft>
+                <a:spcPts val="0"/>
+              </a:spcAft>
+              <a:buClrTx/>
+              <a:buSzTx/>
+              <a:buFont typeface="Arial" panose="020B0604020202020204" pitchFamily="34" charset="0"/>
+              <a:buChar char="•"/>
+              <a:tabLst/>
+              <a:defRPr/>
+            </a:pPr>
+            <a:r>
+              <a:rPr lang="en-GB" sz="2000" dirty="0"/>
+              <a:t>Charts</a:t>
+            </a:r>
+          </a:p>
+          <a:p>
+            <a:pPr marL="228600" marR="0" lvl="0" indent="-228600" algn="l" defTabSz="914400" rtl="0" eaLnBrk="1" fontAlgn="auto" latinLnBrk="0" hangingPunct="1">
+              <a:lnSpc>
+                <a:spcPct val="90000"/>
+              </a:lnSpc>
+              <a:spcBef>
+                <a:spcPts val="1000"/>
+              </a:spcBef>
+              <a:spcAft>
+                <a:spcPts val="0"/>
+              </a:spcAft>
+              <a:buClrTx/>
+              <a:buSzTx/>
+              <a:buFont typeface="Arial" panose="020B0604020202020204" pitchFamily="34" charset="0"/>
+              <a:buChar char="•"/>
+              <a:tabLst/>
+              <a:defRPr/>
+            </a:pPr>
+            <a:r>
+              <a:rPr lang="en-GB" sz="2000" dirty="0"/>
+              <a:t>Filtering, querying, drill-trough</a:t>
+            </a:r>
+          </a:p>
+          <a:p>
+            <a:pPr marL="228600" marR="0" lvl="0" indent="-228600" algn="l" defTabSz="914400" rtl="0" eaLnBrk="1" fontAlgn="auto" latinLnBrk="0" hangingPunct="1">
+              <a:lnSpc>
+                <a:spcPct val="90000"/>
+              </a:lnSpc>
+              <a:spcBef>
+                <a:spcPts val="1000"/>
+              </a:spcBef>
+              <a:spcAft>
+                <a:spcPts val="0"/>
+              </a:spcAft>
+              <a:buClrTx/>
+              <a:buSzTx/>
+              <a:buFont typeface="Arial" panose="020B0604020202020204" pitchFamily="34" charset="0"/>
+              <a:buChar char="•"/>
+              <a:tabLst/>
+              <a:defRPr/>
+            </a:pPr>
+            <a:endParaRPr lang="en-GB" sz="2000" dirty="0"/>
+          </a:p>
+          <a:p>
+            <a:pPr marL="228600" marR="0" lvl="0" indent="-228600" algn="l" defTabSz="914400" rtl="0" eaLnBrk="1" fontAlgn="auto" latinLnBrk="0" hangingPunct="1">
+              <a:lnSpc>
+                <a:spcPct val="90000"/>
+              </a:lnSpc>
+              <a:spcBef>
+                <a:spcPts val="1000"/>
+              </a:spcBef>
+              <a:spcAft>
+                <a:spcPts val="0"/>
+              </a:spcAft>
+              <a:buClrTx/>
+              <a:buSzTx/>
+              <a:buFont typeface="Arial" panose="020B0604020202020204" pitchFamily="34" charset="0"/>
+              <a:buChar char="•"/>
+              <a:tabLst/>
+              <a:defRPr/>
+            </a:pPr>
+            <a:endParaRPr lang="en-GB" sz="2000" dirty="0"/>
           </a:p>
         </p:txBody>
       </p:sp>
@@ -14085,7 +14194,7 @@
           <a:p>
             <a:fld id="{057E53B1-B142-42BF-B587-2A7C6A29782E}" type="datetime1">
               <a:rPr lang="nl-NL" smtClean="0"/>
-              <a:t>15-11-2022</a:t>
+              <a:t>16-11-2022</a:t>
             </a:fld>
             <a:endParaRPr lang="nl-NL"/>
           </a:p>
@@ -14577,7 +14686,7 @@
           <a:p>
             <a:fld id="{057E53B1-B142-42BF-B587-2A7C6A29782E}" type="datetime1">
               <a:rPr lang="nl-NL" smtClean="0"/>
-              <a:t>15-11-2022</a:t>
+              <a:t>16-11-2022</a:t>
             </a:fld>
             <a:endParaRPr lang="nl-NL"/>
           </a:p>
@@ -15665,7 +15774,7 @@
         </p:nvSpPr>
         <p:spPr>
           <a:xfrm>
-            <a:off x="3204642" y="2353641"/>
+            <a:off x="3204642" y="2353640"/>
             <a:ext cx="5782716" cy="2150719"/>
           </a:xfrm>
           <a:noFill/>
@@ -15678,7 +15787,7 @@
           <a:p>
             <a:pPr algn="ctr"/>
             <a:r>
-              <a:rPr lang="en-US" sz="3600">
+              <a:rPr lang="en-US" sz="3600" dirty="0">
                 <a:solidFill>
                   <a:srgbClr val="080808"/>
                 </a:solidFill>
@@ -15687,7 +15796,7 @@
               <a:t>Developing with </a:t>
             </a:r>
             <a:br>
-              <a:rPr lang="en-US" sz="3600">
+              <a:rPr lang="en-US" sz="3600" dirty="0">
                 <a:solidFill>
                   <a:srgbClr val="080808"/>
                 </a:solidFill>
@@ -15695,7 +15804,7 @@
               </a:rPr>
             </a:br>
             <a:r>
-              <a:rPr lang="en-US" sz="3600">
+              <a:rPr lang="en-US" sz="3600" dirty="0">
                 <a:solidFill>
                   <a:srgbClr val="080808"/>
                 </a:solidFill>
@@ -15703,13 +15812,12 @@
               </a:rPr>
               <a:t>Elastic Search</a:t>
             </a:r>
-            <a:endParaRPr lang="en-US" sz="3600" kern="1200">
+            <a:endParaRPr lang="en-US" sz="3600" kern="1200" dirty="0">
               <a:solidFill>
                 <a:srgbClr val="080808"/>
               </a:solidFill>
               <a:latin typeface="+mj-lt"/>
-              <a:ea typeface="+mj-ea"/>
-              <a:cs typeface="+mj-cs"/>
+              <a:cs typeface="Calibri Light"/>
             </a:endParaRPr>
           </a:p>
         </p:txBody>
@@ -15914,7 +16022,7 @@
           <a:p>
             <a:fld id="{1C36EADA-BC32-44D2-A76E-81B1792B929A}" type="datetime1">
               <a:rPr lang="nl-NL" smtClean="0"/>
-              <a:t>15-11-2022</a:t>
+              <a:t>16-11-2022</a:t>
             </a:fld>
             <a:endParaRPr lang="nl-NL"/>
           </a:p>
@@ -15954,7 +16062,7 @@
           <p:cNvPr id="3" name="Titel 1">
             <a:extLst>
               <a:ext uri="{FF2B5EF4-FFF2-40B4-BE49-F238E27FC236}">
-                <a16:creationId xmlns:a16="http://schemas.microsoft.com/office/drawing/2014/main" id="{7FC4B3C0-41B9-CA95-7150-3F19EFAC64F2}"/>
+                <a16:creationId xmlns:a16="http://schemas.microsoft.com/office/drawing/2014/main" id="{796A400D-E31E-50E6-9D6F-2EAA8A9273B6}"/>
               </a:ext>
             </a:extLst>
           </p:cNvPr>
@@ -15965,7 +16073,7 @@
         </p:nvSpPr>
         <p:spPr>
           <a:xfrm>
-            <a:off x="3204642" y="983274"/>
+            <a:off x="3208927" y="460645"/>
             <a:ext cx="5782716" cy="2150719"/>
           </a:xfrm>
           <a:prstGeom prst="rect">
@@ -15999,7 +16107,7 @@
           <a:p>
             <a:pPr algn="ctr"/>
             <a:r>
-              <a:rPr lang="en-US" sz="3600">
+              <a:rPr lang="en-US" sz="3600" dirty="0">
                 <a:solidFill>
                   <a:srgbClr val="080808"/>
                 </a:solidFill>
@@ -16014,7 +16122,7 @@
           <p:cNvPr id="6" name="Titel 1">
             <a:extLst>
               <a:ext uri="{FF2B5EF4-FFF2-40B4-BE49-F238E27FC236}">
-                <a16:creationId xmlns:a16="http://schemas.microsoft.com/office/drawing/2014/main" id="{F38FD53B-2B30-5B37-DDE7-EA7048C6B1A0}"/>
+                <a16:creationId xmlns:a16="http://schemas.microsoft.com/office/drawing/2014/main" id="{2DF6F175-1F5D-30C5-6EB6-AE9ADED3C71A}"/>
               </a:ext>
             </a:extLst>
           </p:cNvPr>
@@ -16025,7 +16133,7 @@
         </p:nvSpPr>
         <p:spPr>
           <a:xfrm>
-            <a:off x="3204642" y="3724534"/>
+            <a:off x="3214346" y="3726661"/>
             <a:ext cx="5782716" cy="2150719"/>
           </a:xfrm>
           <a:prstGeom prst="rect">
@@ -16059,7 +16167,7 @@
           <a:p>
             <a:pPr algn="ctr"/>
             <a:r>
-              <a:rPr lang="en-US" sz="2400">
+              <a:rPr lang="en-US" sz="2400" dirty="0">
                 <a:solidFill>
                   <a:srgbClr val="080808"/>
                 </a:solidFill>
@@ -16069,10 +16177,69 @@
           </a:p>
         </p:txBody>
       </p:sp>
+      <p:sp>
+        <p:nvSpPr>
+          <p:cNvPr id="7" name="Titel 1">
+            <a:extLst>
+              <a:ext uri="{FF2B5EF4-FFF2-40B4-BE49-F238E27FC236}">
+                <a16:creationId xmlns:a16="http://schemas.microsoft.com/office/drawing/2014/main" id="{935F68C0-29AE-1B33-EBC7-1183D027D8A7}"/>
+              </a:ext>
+            </a:extLst>
+          </p:cNvPr>
+          <p:cNvSpPr txBox="1">
+            <a:spLocks/>
+          </p:cNvSpPr>
+          <p:nvPr/>
+        </p:nvSpPr>
+        <p:spPr>
+          <a:xfrm>
+            <a:off x="5145441" y="2129092"/>
+            <a:ext cx="6118771" cy="3976351"/>
+          </a:xfrm>
+          <a:prstGeom prst="rect">
+            <a:avLst/>
+          </a:prstGeom>
+          <a:noFill/>
+        </p:spPr>
+        <p:txBody>
+          <a:bodyPr vert="horz" lIns="91440" tIns="45720" rIns="91440" bIns="45720" rtlCol="0" anchor="ctr">
+            <a:normAutofit/>
+          </a:bodyPr>
+          <a:lstStyle>
+            <a:lvl1pPr algn="l" defTabSz="914400" rtl="0" eaLnBrk="1" latinLnBrk="0" hangingPunct="1">
+              <a:lnSpc>
+                <a:spcPct val="90000"/>
+              </a:lnSpc>
+              <a:spcBef>
+                <a:spcPct val="0"/>
+              </a:spcBef>
+              <a:buNone/>
+              <a:defRPr sz="4400" kern="1200">
+                <a:solidFill>
+                  <a:schemeClr val="tx1"/>
+                </a:solidFill>
+                <a:latin typeface="+mj-lt"/>
+                <a:ea typeface="+mj-ea"/>
+                <a:cs typeface="+mj-cs"/>
+              </a:defRPr>
+            </a:lvl1pPr>
+          </a:lstStyle>
+          <a:p>
+            <a:pPr marL="457200" indent="-457200">
+              <a:buAutoNum type="arabicPeriod"/>
+            </a:pPr>
+            <a:endParaRPr lang="en-US" sz="2000" dirty="0">
+              <a:solidFill>
+                <a:srgbClr val="080808"/>
+              </a:solidFill>
+            </a:endParaRPr>
+          </a:p>
+        </p:txBody>
+      </p:sp>
     </p:spTree>
     <p:extLst>
       <p:ext uri="{BB962C8B-B14F-4D97-AF65-F5344CB8AC3E}">
-        <p14:creationId xmlns:p14="http://schemas.microsoft.com/office/powerpoint/2010/main" val="4210424879"/>
+        <p14:creationId xmlns:p14="http://schemas.microsoft.com/office/powerpoint/2010/main" val="239547942"/>
       </p:ext>
     </p:extLst>
   </p:cSld>
@@ -17092,7 +17259,7 @@
         </p:nvSpPr>
         <p:spPr>
           <a:xfrm>
-            <a:off x="3204642" y="2353641"/>
+            <a:off x="14447" y="2378893"/>
             <a:ext cx="5782716" cy="2150719"/>
           </a:xfrm>
           <a:noFill/>
@@ -17105,7 +17272,7 @@
           <a:p>
             <a:pPr algn="ctr"/>
             <a:r>
-              <a:rPr lang="en-US" sz="3600">
+              <a:rPr lang="en-US" sz="3600" dirty="0">
                 <a:solidFill>
                   <a:srgbClr val="080808"/>
                 </a:solidFill>
@@ -17114,7 +17281,7 @@
               <a:t>Visualizing </a:t>
             </a:r>
             <a:br>
-              <a:rPr lang="en-US" sz="3600">
+              <a:rPr lang="en-US" sz="3600" dirty="0">
                 <a:solidFill>
                   <a:srgbClr val="080808"/>
                 </a:solidFill>
@@ -17122,7 +17289,7 @@
               </a:rPr>
             </a:br>
             <a:r>
-              <a:rPr lang="en-US" sz="3600">
+              <a:rPr lang="en-US" sz="3600" dirty="0">
                 <a:solidFill>
                   <a:srgbClr val="080808"/>
                 </a:solidFill>
@@ -17130,7 +17297,7 @@
               </a:rPr>
               <a:t>with Kibana</a:t>
             </a:r>
-            <a:endParaRPr lang="en-US" sz="3600" kern="1200">
+            <a:endParaRPr lang="en-US" sz="3600" kern="1200" dirty="0">
               <a:solidFill>
                 <a:srgbClr val="080808"/>
               </a:solidFill>
@@ -17340,7 +17507,7 @@
           <a:p>
             <a:fld id="{1C36EADA-BC32-44D2-A76E-81B1792B929A}" type="datetime1">
               <a:rPr lang="nl-NL" smtClean="0"/>
-              <a:t>15-11-2022</a:t>
+              <a:t>16-11-2022</a:t>
             </a:fld>
             <a:endParaRPr lang="nl-NL"/>
           </a:p>
@@ -17391,7 +17558,7 @@
         </p:nvSpPr>
         <p:spPr>
           <a:xfrm>
-            <a:off x="3204642" y="983274"/>
+            <a:off x="3208927" y="460645"/>
             <a:ext cx="5782716" cy="2150719"/>
           </a:xfrm>
           <a:prstGeom prst="rect">
@@ -17425,7 +17592,7 @@
           <a:p>
             <a:pPr algn="ctr"/>
             <a:r>
-              <a:rPr lang="en-US" sz="3600">
+              <a:rPr lang="en-US" sz="3600" dirty="0">
                 <a:solidFill>
                   <a:srgbClr val="080808"/>
                 </a:solidFill>
@@ -17451,7 +17618,7 @@
         </p:nvSpPr>
         <p:spPr>
           <a:xfrm>
-            <a:off x="3204642" y="3724534"/>
+            <a:off x="14447" y="3749786"/>
             <a:ext cx="5782716" cy="2150719"/>
           </a:xfrm>
           <a:prstGeom prst="rect">
@@ -17485,7 +17652,7 @@
           <a:p>
             <a:pPr algn="ctr"/>
             <a:r>
-              <a:rPr lang="en-US" sz="2400">
+              <a:rPr lang="en-US" sz="2400" dirty="0">
                 <a:solidFill>
                   <a:srgbClr val="080808"/>
                 </a:solidFill>
@@ -17495,10 +17662,124 @@
           </a:p>
         </p:txBody>
       </p:sp>
+      <p:sp>
+        <p:nvSpPr>
+          <p:cNvPr id="7" name="Titel 1">
+            <a:extLst>
+              <a:ext uri="{FF2B5EF4-FFF2-40B4-BE49-F238E27FC236}">
+                <a16:creationId xmlns:a16="http://schemas.microsoft.com/office/drawing/2014/main" id="{935F68C0-29AE-1B33-EBC7-1183D027D8A7}"/>
+              </a:ext>
+            </a:extLst>
+          </p:cNvPr>
+          <p:cNvSpPr txBox="1">
+            <a:spLocks/>
+          </p:cNvSpPr>
+          <p:nvPr/>
+        </p:nvSpPr>
+        <p:spPr>
+          <a:xfrm>
+            <a:off x="5145441" y="2129092"/>
+            <a:ext cx="6118771" cy="3976351"/>
+          </a:xfrm>
+          <a:prstGeom prst="rect">
+            <a:avLst/>
+          </a:prstGeom>
+          <a:noFill/>
+        </p:spPr>
+        <p:txBody>
+          <a:bodyPr vert="horz" lIns="91440" tIns="45720" rIns="91440" bIns="45720" rtlCol="0" anchor="ctr">
+            <a:normAutofit/>
+          </a:bodyPr>
+          <a:lstStyle>
+            <a:lvl1pPr algn="l" defTabSz="914400" rtl="0" eaLnBrk="1" latinLnBrk="0" hangingPunct="1">
+              <a:lnSpc>
+                <a:spcPct val="90000"/>
+              </a:lnSpc>
+              <a:spcBef>
+                <a:spcPct val="0"/>
+              </a:spcBef>
+              <a:buNone/>
+              <a:defRPr sz="4400" kern="1200">
+                <a:solidFill>
+                  <a:schemeClr val="tx1"/>
+                </a:solidFill>
+                <a:latin typeface="+mj-lt"/>
+                <a:ea typeface="+mj-ea"/>
+                <a:cs typeface="+mj-cs"/>
+              </a:defRPr>
+            </a:lvl1pPr>
+          </a:lstStyle>
+          <a:p>
+            <a:pPr marL="457200" indent="-457200">
+              <a:buAutoNum type="arabicPeriod"/>
+            </a:pPr>
+            <a:r>
+              <a:rPr lang="en-US" sz="2000" dirty="0">
+                <a:solidFill>
+                  <a:srgbClr val="080808"/>
+                </a:solidFill>
+              </a:rPr>
+              <a:t>Load the Fifa23_Dataset in Kibana by creating a new data view</a:t>
+            </a:r>
+          </a:p>
+          <a:p>
+            <a:pPr marL="457200" indent="-457200">
+              <a:buAutoNum type="arabicPeriod"/>
+            </a:pPr>
+            <a:r>
+              <a:rPr lang="en-US" sz="2000" dirty="0">
+                <a:solidFill>
+                  <a:srgbClr val="080808"/>
+                </a:solidFill>
+              </a:rPr>
+              <a:t>Create a visualization that shows the number of players by country, how many players are originating from Argentina?</a:t>
+            </a:r>
+          </a:p>
+          <a:p>
+            <a:pPr marL="457200" indent="-457200">
+              <a:buAutoNum type="arabicPeriod"/>
+            </a:pPr>
+            <a:r>
+              <a:rPr lang="en-US" sz="2000" dirty="0">
+                <a:solidFill>
+                  <a:srgbClr val="080808"/>
+                </a:solidFill>
+              </a:rPr>
+              <a:t>Create a visualization that shows the number of players by age, who is the oldest player in the game?</a:t>
+            </a:r>
+          </a:p>
+          <a:p>
+            <a:pPr marL="457200" indent="-457200">
+              <a:buAutoNum type="arabicPeriod"/>
+            </a:pPr>
+            <a:r>
+              <a:rPr lang="en-US" sz="2000" dirty="0">
+                <a:solidFill>
+                  <a:srgbClr val="080808"/>
+                </a:solidFill>
+              </a:rPr>
+              <a:t>Create a visualization that shows the top 5 valued players, who is the most valuable player is in the game?</a:t>
+            </a:r>
+          </a:p>
+          <a:p>
+            <a:pPr marL="457200" indent="-457200">
+              <a:buAutoNum type="arabicPeriod"/>
+            </a:pPr>
+            <a:r>
+              <a:rPr lang="en-US" sz="2000" dirty="0">
+                <a:solidFill>
+                  <a:srgbClr val="080808"/>
+                </a:solidFill>
+              </a:rPr>
+              <a:t>Create a visualization that shows the number of players by skill moves, who is the youngest player that has 5-star skill moves?</a:t>
+            </a:r>
+          </a:p>
+        </p:txBody>
+      </p:sp>
     </p:spTree>
     <p:extLst>
       <p:ext uri="{BB962C8B-B14F-4D97-AF65-F5344CB8AC3E}">
-        <p14:creationId xmlns:p14="http://schemas.microsoft.com/office/powerpoint/2010/main" val="239547942"/>
+        <p14:creationId xmlns:p14="http://schemas.microsoft.com/office/powerpoint/2010/main" val="2514911423"/>
       </p:ext>
     </p:extLst>
   </p:cSld>
@@ -18406,7 +18687,7 @@
           <a:p>
             <a:fld id="{572191CB-3BB3-4B59-85ED-98024A2B38AB}" type="datetime1">
               <a:rPr lang="nl-NL" smtClean="0"/>
-              <a:t>15-11-2022</a:t>
+              <a:t>16-11-2022</a:t>
             </a:fld>
             <a:endParaRPr lang="nl-NL"/>
           </a:p>
@@ -19771,7 +20052,7 @@
           <a:p>
             <a:fld id="{1C36EADA-BC32-44D2-A76E-81B1792B929A}" type="datetime1">
               <a:rPr lang="nl-NL" smtClean="0"/>
-              <a:t>15-11-2022</a:t>
+              <a:t>16-11-2022</a:t>
             </a:fld>
             <a:endParaRPr lang="nl-NL"/>
           </a:p>
@@ -20829,7 +21110,7 @@
         </p:nvSpPr>
         <p:spPr>
           <a:xfrm>
-            <a:off x="3204642" y="2353641"/>
+            <a:off x="3204642" y="4523751"/>
             <a:ext cx="5782716" cy="2150719"/>
           </a:xfrm>
           <a:noFill/>
@@ -20842,7 +21123,7 @@
           <a:p>
             <a:pPr algn="ctr"/>
             <a:r>
-              <a:rPr lang="en-US" sz="3600" kern="1200">
+              <a:rPr lang="en-US" sz="3600" kern="1200" dirty="0">
                 <a:solidFill>
                   <a:srgbClr val="080808"/>
                 </a:solidFill>
@@ -21055,7 +21336,7 @@
           <a:p>
             <a:fld id="{1C36EADA-BC32-44D2-A76E-81B1792B929A}" type="datetime1">
               <a:rPr lang="nl-NL" smtClean="0"/>
-              <a:t>15-11-2022</a:t>
+              <a:t>16-11-2022</a:t>
             </a:fld>
             <a:endParaRPr lang="nl-NL"/>
           </a:p>
@@ -21090,6 +21371,160 @@
           </a:p>
         </p:txBody>
       </p:sp>
+      <p:sp>
+        <p:nvSpPr>
+          <p:cNvPr id="3" name="Titel 1">
+            <a:extLst>
+              <a:ext uri="{FF2B5EF4-FFF2-40B4-BE49-F238E27FC236}">
+                <a16:creationId xmlns:a16="http://schemas.microsoft.com/office/drawing/2014/main" id="{9FFE0AA6-EC1A-AC0E-4D13-E0D6E375FE47}"/>
+              </a:ext>
+            </a:extLst>
+          </p:cNvPr>
+          <p:cNvSpPr txBox="1">
+            <a:spLocks/>
+          </p:cNvSpPr>
+          <p:nvPr/>
+        </p:nvSpPr>
+        <p:spPr>
+          <a:xfrm>
+            <a:off x="3204642" y="276105"/>
+            <a:ext cx="5782716" cy="2150719"/>
+          </a:xfrm>
+          <a:prstGeom prst="rect">
+            <a:avLst/>
+          </a:prstGeom>
+          <a:noFill/>
+        </p:spPr>
+        <p:txBody>
+          <a:bodyPr vert="horz" lIns="91440" tIns="45720" rIns="91440" bIns="45720" rtlCol="0" anchor="ctr">
+            <a:normAutofit/>
+          </a:bodyPr>
+          <a:lstStyle>
+            <a:lvl1pPr algn="l" defTabSz="914400" rtl="0" eaLnBrk="1" latinLnBrk="0" hangingPunct="1">
+              <a:lnSpc>
+                <a:spcPct val="90000"/>
+              </a:lnSpc>
+              <a:spcBef>
+                <a:spcPct val="0"/>
+              </a:spcBef>
+              <a:buNone/>
+              <a:defRPr sz="4400" kern="1200">
+                <a:solidFill>
+                  <a:schemeClr val="tx1"/>
+                </a:solidFill>
+                <a:latin typeface="+mj-lt"/>
+                <a:ea typeface="+mj-ea"/>
+                <a:cs typeface="+mj-cs"/>
+              </a:defRPr>
+            </a:lvl1pPr>
+          </a:lstStyle>
+          <a:p>
+            <a:pPr algn="ctr"/>
+            <a:r>
+              <a:rPr lang="en-US" sz="3600" dirty="0">
+                <a:solidFill>
+                  <a:srgbClr val="080808"/>
+                </a:solidFill>
+              </a:rPr>
+              <a:t>Thank you for listening</a:t>
+            </a:r>
+          </a:p>
+        </p:txBody>
+      </p:sp>
+      <p:pic>
+        <p:nvPicPr>
+          <p:cNvPr id="6" name="Picture 2" descr="Threat hunting (III): hunting without leaving home. Kibana - Security Art  Work">
+            <a:extLst>
+              <a:ext uri="{FF2B5EF4-FFF2-40B4-BE49-F238E27FC236}">
+                <a16:creationId xmlns:a16="http://schemas.microsoft.com/office/drawing/2014/main" id="{EB11FBF7-0161-DBFA-2F7E-F9EBA08E3475}"/>
+              </a:ext>
+            </a:extLst>
+          </p:cNvPr>
+          <p:cNvPicPr>
+            <a:picLocks noChangeAspect="1" noChangeArrowheads="1"/>
+          </p:cNvPicPr>
+          <p:nvPr/>
+        </p:nvPicPr>
+        <p:blipFill>
+          <a:blip r:embed="rId2">
+            <a:extLst>
+              <a:ext uri="{28A0092B-C50C-407E-A947-70E740481C1C}">
+                <a14:useLocalDpi xmlns:a14="http://schemas.microsoft.com/office/drawing/2010/main" val="0"/>
+              </a:ext>
+            </a:extLst>
+          </a:blip>
+          <a:srcRect/>
+          <a:stretch>
+            <a:fillRect/>
+          </a:stretch>
+        </p:blipFill>
+        <p:spPr bwMode="auto">
+          <a:xfrm>
+            <a:off x="7348137" y="1994734"/>
+            <a:ext cx="3266428" cy="2988345"/>
+          </a:xfrm>
+          <a:prstGeom prst="rect">
+            <a:avLst/>
+          </a:prstGeom>
+          <a:noFill/>
+          <a:extLst>
+            <a:ext uri="{909E8E84-426E-40DD-AFC4-6F175D3DCCD1}">
+              <a14:hiddenFill xmlns:a14="http://schemas.microsoft.com/office/drawing/2010/main">
+                <a:solidFill>
+                  <a:srgbClr val="FFFFFF"/>
+                </a:solidFill>
+              </a14:hiddenFill>
+            </a:ext>
+          </a:extLst>
+        </p:spPr>
+      </p:pic>
+      <p:pic>
+        <p:nvPicPr>
+          <p:cNvPr id="7" name="Picture 4">
+            <a:extLst>
+              <a:ext uri="{FF2B5EF4-FFF2-40B4-BE49-F238E27FC236}">
+                <a16:creationId xmlns:a16="http://schemas.microsoft.com/office/drawing/2014/main" id="{73B530C3-F1AA-9741-FA3F-14B0DA53E1FD}"/>
+              </a:ext>
+            </a:extLst>
+          </p:cNvPr>
+          <p:cNvPicPr>
+            <a:picLocks noChangeAspect="1" noChangeArrowheads="1"/>
+          </p:cNvPicPr>
+          <p:nvPr/>
+        </p:nvPicPr>
+        <p:blipFill>
+          <a:blip r:embed="rId3">
+            <a:extLst>
+              <a:ext uri="{28A0092B-C50C-407E-A947-70E740481C1C}">
+                <a14:useLocalDpi xmlns:a14="http://schemas.microsoft.com/office/drawing/2010/main" val="0"/>
+              </a:ext>
+            </a:extLst>
+          </a:blip>
+          <a:srcRect/>
+          <a:stretch>
+            <a:fillRect/>
+          </a:stretch>
+        </p:blipFill>
+        <p:spPr bwMode="auto">
+          <a:xfrm>
+            <a:off x="779366" y="1993215"/>
+            <a:ext cx="5981108" cy="2990554"/>
+          </a:xfrm>
+          <a:prstGeom prst="rect">
+            <a:avLst/>
+          </a:prstGeom>
+          <a:noFill/>
+          <a:extLst>
+            <a:ext uri="{909E8E84-426E-40DD-AFC4-6F175D3DCCD1}">
+              <a14:hiddenFill xmlns:a14="http://schemas.microsoft.com/office/drawing/2010/main">
+                <a:solidFill>
+                  <a:srgbClr val="FFFFFF"/>
+                </a:solidFill>
+              </a14:hiddenFill>
+            </a:ext>
+          </a:extLst>
+        </p:spPr>
+      </p:pic>
     </p:spTree>
     <p:extLst>
       <p:ext uri="{BB962C8B-B14F-4D97-AF65-F5344CB8AC3E}">
@@ -21517,7 +21952,7 @@
           <a:p>
             <a:fld id="{057E53B1-B142-42BF-B587-2A7C6A29782E}" type="datetime1">
               <a:rPr lang="nl-NL" smtClean="0"/>
-              <a:t>15-11-2022</a:t>
+              <a:t>16-11-2022</a:t>
             </a:fld>
             <a:endParaRPr lang="nl-NL"/>
           </a:p>
@@ -22179,7 +22614,7 @@
           <a:p>
             <a:fld id="{057E53B1-B142-42BF-B587-2A7C6A29782E}" type="datetime1">
               <a:rPr lang="nl-NL" smtClean="0"/>
-              <a:t>15-11-2022</a:t>
+              <a:t>16-11-2022</a:t>
             </a:fld>
             <a:endParaRPr lang="nl-NL"/>
           </a:p>
@@ -22854,7 +23289,7 @@
           <a:p>
             <a:fld id="{057E53B1-B142-42BF-B587-2A7C6A29782E}" type="datetime1">
               <a:rPr lang="nl-NL" smtClean="0"/>
-              <a:t>15-11-2022</a:t>
+              <a:t>16-11-2022</a:t>
             </a:fld>
             <a:endParaRPr lang="nl-NL"/>
           </a:p>
@@ -23762,7 +24197,7 @@
           <a:p>
             <a:fld id="{057E53B1-B142-42BF-B587-2A7C6A29782E}" type="datetime1">
               <a:rPr lang="nl-NL" smtClean="0"/>
-              <a:t>15-11-2022</a:t>
+              <a:t>16-11-2022</a:t>
             </a:fld>
             <a:endParaRPr lang="nl-NL"/>
           </a:p>
@@ -24366,7 +24801,7 @@
           <a:p>
             <a:fld id="{057E53B1-B142-42BF-B587-2A7C6A29782E}" type="datetime1">
               <a:rPr lang="nl-NL" smtClean="0"/>
-              <a:t>15-11-2022</a:t>
+              <a:t>16-11-2022</a:t>
             </a:fld>
             <a:endParaRPr lang="nl-NL"/>
           </a:p>
@@ -24858,7 +25293,7 @@
           <a:p>
             <a:fld id="{057E53B1-B142-42BF-B587-2A7C6A29782E}" type="datetime1">
               <a:rPr lang="nl-NL" smtClean="0"/>
-              <a:t>15-11-2022</a:t>
+              <a:t>16-11-2022</a:t>
             </a:fld>
             <a:endParaRPr lang="nl-NL"/>
           </a:p>
@@ -25383,7 +25818,7 @@
           <a:p>
             <a:fld id="{057E53B1-B142-42BF-B587-2A7C6A29782E}" type="datetime1">
               <a:rPr lang="nl-NL" smtClean="0"/>
-              <a:t>15-11-2022</a:t>
+              <a:t>16-11-2022</a:t>
             </a:fld>
             <a:endParaRPr lang="nl-NL"/>
           </a:p>
